--- a/화면구성/to최원석부장님/9. 3월 4일 전력공급 (화면구성)/전력공급현황_화면구성_0304.pptx
+++ b/화면구성/to최원석부장님/9. 3월 4일 전력공급 (화면구성)/전력공급현황_화면구성_0304.pptx
@@ -219,7 +219,7 @@
           <a:p>
             <a:fld id="{C2B9CFB0-BCA9-4570-BBC6-9C2684F7EA69}" type="datetimeFigureOut">
               <a:rPr lang="ko-KR" altLang="en-US" smtClean="0"/>
-              <a:t>2025-03-04</a:t>
+              <a:t>2025-05-09</a:t>
             </a:fld>
             <a:endParaRPr lang="ko-KR" altLang="en-US"/>
           </a:p>
@@ -384,7 +384,7 @@
           <a:p>
             <a:fld id="{BE23F86A-8152-4198-942A-719B9DB78762}" type="datetimeFigureOut">
               <a:rPr lang="ko-KR" altLang="en-US" smtClean="0"/>
-              <a:t>2025-03-04</a:t>
+              <a:t>2025-05-09</a:t>
             </a:fld>
             <a:endParaRPr lang="ko-KR" altLang="en-US"/>
           </a:p>
@@ -2622,7 +2622,7 @@
         </p:nvSpPr>
         <p:spPr>
           <a:xfrm>
-            <a:off x="5388511" y="4695877"/>
+            <a:off x="5502811" y="4704479"/>
             <a:ext cx="4108537" cy="668396"/>
           </a:xfrm>
           <a:prstGeom prst="rect">
